--- a/doc/Presentation Soheil Ramezanzadeh.pptx
+++ b/doc/Presentation Soheil Ramezanzadeh.pptx
@@ -7,7 +7,7 @@
     <p:sldMasterId id="2147483685" r:id="rId3"/>
   </p:sldMasterIdLst>
   <p:notesMasterIdLst>
-    <p:notesMasterId r:id="rId23"/>
+    <p:notesMasterId r:id="rId25"/>
   </p:notesMasterIdLst>
   <p:sldIdLst>
     <p:sldId id="272" r:id="rId4"/>
@@ -28,7 +28,9 @@
     <p:sldId id="553" r:id="rId19"/>
     <p:sldId id="554" r:id="rId20"/>
     <p:sldId id="555" r:id="rId21"/>
-    <p:sldId id="527" r:id="rId22"/>
+    <p:sldId id="556" r:id="rId22"/>
+    <p:sldId id="557" r:id="rId23"/>
+    <p:sldId id="527" r:id="rId24"/>
   </p:sldIdLst>
   <p:sldSz cx="12192000" cy="6858000"/>
   <p:notesSz cx="6858000" cy="9144000"/>
@@ -14388,74 +14390,92 @@
       </p:grpSpPr>
       <p:sp>
         <p:nvSpPr>
-          <p:cNvPr id="2" name="Title 1"/>
-          <p:cNvSpPr>
-            <a:spLocks noGrp="1"/>
-          </p:cNvSpPr>
-          <p:nvPr>
-            <p:ph type="ctrTitle"/>
-          </p:nvPr>
+          <p:cNvPr id="8" name="TextBox 7"/>
+          <p:cNvSpPr txBox="1"/>
+          <p:nvPr/>
         </p:nvSpPr>
         <p:spPr>
           <a:xfrm>
-            <a:off x="1524000" y="1669774"/>
-            <a:ext cx="9144000" cy="2387600"/>
+            <a:off x="3590558" y="1411714"/>
+            <a:ext cx="8011928" cy="901593"/>
           </a:xfrm>
+          <a:prstGeom prst="rect">
+            <a:avLst/>
+          </a:prstGeom>
+          <a:noFill/>
         </p:spPr>
         <p:txBody>
-          <a:bodyPr>
-            <a:noAutofit/>
+          <a:bodyPr wrap="square" rtlCol="0">
+            <a:spAutoFit/>
           </a:bodyPr>
           <a:lstStyle/>
           <a:p>
-            <a:pPr algn="ctr"/>
+            <a:pPr marL="0" marR="0" lvl="0" indent="0" algn="ctr" defTabSz="914400" rtl="0" eaLnBrk="1" fontAlgn="auto" latinLnBrk="0" hangingPunct="1">
+              <a:lnSpc>
+                <a:spcPct val="150000"/>
+              </a:lnSpc>
+              <a:spcBef>
+                <a:spcPts val="0"/>
+              </a:spcBef>
+              <a:spcAft>
+                <a:spcPts val="0"/>
+              </a:spcAft>
+              <a:buClrTx/>
+              <a:buSzTx/>
+              <a:buFontTx/>
+              <a:buNone/>
+              <a:tabLst/>
+              <a:defRPr/>
+            </a:pPr>
             <a:r>
-              <a:rPr lang="en-US" sz="9600" b="1" dirty="0">
+              <a:rPr lang="en-US" sz="4000" b="1" dirty="0">
                 <a:solidFill>
-                  <a:schemeClr val="bg2">
-                    <a:lumMod val="50000"/>
-                  </a:schemeClr>
+                  <a:srgbClr val="73166F"/>
                 </a:solidFill>
+                <a:latin typeface="IRANSansWeb" panose="02040503050201020203" pitchFamily="18" charset="-78"/>
+                <a:cs typeface="IRANSansWeb" panose="02040503050201020203" pitchFamily="18" charset="-78"/>
               </a:rPr>
-              <a:t>The End</a:t>
+              <a:t>Salary Expectations</a:t>
             </a:r>
+            <a:endParaRPr kumimoji="0" lang="en-US" sz="4000" b="1" i="0" u="none" strike="noStrike" kern="1200" cap="none" spc="0" normalizeH="0" baseline="0" noProof="0" dirty="0">
+              <a:ln>
+                <a:noFill/>
+              </a:ln>
+              <a:solidFill>
+                <a:srgbClr val="73166F"/>
+              </a:solidFill>
+              <a:effectLst/>
+              <a:uLnTx/>
+              <a:uFillTx/>
+              <a:latin typeface="IRANSansWeb" panose="02040503050201020203" pitchFamily="18" charset="-78"/>
+              <a:ea typeface="+mn-ea"/>
+              <a:cs typeface="IRANSansWeb" panose="02040503050201020203" pitchFamily="18" charset="-78"/>
+            </a:endParaRPr>
           </a:p>
         </p:txBody>
       </p:sp>
       <p:sp>
         <p:nvSpPr>
-          <p:cNvPr id="9" name="Freeform: Shape 8">
-            <a:extLst>
-              <a:ext uri="{FF2B5EF4-FFF2-40B4-BE49-F238E27FC236}">
-                <a16:creationId xmlns:a16="http://schemas.microsoft.com/office/drawing/2014/main" id="{04659B96-1CE7-401A-9D92-42B213361746}"/>
-              </a:ext>
-            </a:extLst>
-          </p:cNvPr>
+          <p:cNvPr id="11" name="Freeform 10"/>
           <p:cNvSpPr/>
           <p:nvPr/>
         </p:nvSpPr>
         <p:spPr>
-          <a:xfrm>
-            <a:off x="1589" y="4725144"/>
-            <a:ext cx="12188825" cy="2132856"/>
+          <a:xfrm flipV="1">
+            <a:off x="245609" y="4250609"/>
+            <a:ext cx="3409390" cy="3601578"/>
           </a:xfrm>
           <a:custGeom>
             <a:avLst/>
             <a:gdLst>
-              <a:gd name="connsiteX0" fmla="*/ 6094412 w 12188825"/>
-              <a:gd name="connsiteY0" fmla="*/ 0 h 2114437"/>
-              <a:gd name="connsiteX1" fmla="*/ 6401871 w 12188825"/>
-              <a:gd name="connsiteY1" fmla="*/ 341621 h 2114437"/>
-              <a:gd name="connsiteX2" fmla="*/ 12188825 w 12188825"/>
-              <a:gd name="connsiteY2" fmla="*/ 341621 h 2114437"/>
-              <a:gd name="connsiteX3" fmla="*/ 12188825 w 12188825"/>
-              <a:gd name="connsiteY3" fmla="*/ 2114437 h 2114437"/>
-              <a:gd name="connsiteX4" fmla="*/ 0 w 12188825"/>
-              <a:gd name="connsiteY4" fmla="*/ 2114437 h 2114437"/>
-              <a:gd name="connsiteX5" fmla="*/ 0 w 12188825"/>
-              <a:gd name="connsiteY5" fmla="*/ 341621 h 2114437"/>
-              <a:gd name="connsiteX6" fmla="*/ 5786954 w 12188825"/>
-              <a:gd name="connsiteY6" fmla="*/ 341621 h 2114437"/>
+              <a:gd name="connsiteX0" fmla="*/ 0 w 4649118"/>
+              <a:gd name="connsiteY0" fmla="*/ 3602516 h 3602516"/>
+              <a:gd name="connsiteX1" fmla="*/ 2324559 w 4649118"/>
+              <a:gd name="connsiteY1" fmla="*/ 2702688 h 3602516"/>
+              <a:gd name="connsiteX2" fmla="*/ 4649118 w 4649118"/>
+              <a:gd name="connsiteY2" fmla="*/ 3602516 h 3602516"/>
+              <a:gd name="connsiteX3" fmla="*/ 2324559 w 4649118"/>
+              <a:gd name="connsiteY3" fmla="*/ 0 h 3602516"/>
             </a:gdLst>
             <a:ahLst/>
             <a:cxnLst>
@@ -14471,46 +14491,30 @@
               <a:cxn ang="0">
                 <a:pos x="connsiteX3" y="connsiteY3"/>
               </a:cxn>
-              <a:cxn ang="0">
-                <a:pos x="connsiteX4" y="connsiteY4"/>
-              </a:cxn>
-              <a:cxn ang="0">
-                <a:pos x="connsiteX5" y="connsiteY5"/>
-              </a:cxn>
-              <a:cxn ang="0">
-                <a:pos x="connsiteX6" y="connsiteY6"/>
-              </a:cxn>
             </a:cxnLst>
             <a:rect l="l" t="t" r="r" b="b"/>
             <a:pathLst>
-              <a:path w="12188825" h="2114437">
+              <a:path w="4649118" h="3602516">
                 <a:moveTo>
-                  <a:pt x="6094412" y="0"/>
+                  <a:pt x="0" y="3602516"/>
                 </a:moveTo>
                 <a:lnTo>
-                  <a:pt x="6401871" y="341621"/>
+                  <a:pt x="2324559" y="2702688"/>
                 </a:lnTo>
                 <a:lnTo>
-                  <a:pt x="12188825" y="341621"/>
+                  <a:pt x="4649118" y="3602516"/>
                 </a:lnTo>
                 <a:lnTo>
-                  <a:pt x="12188825" y="2114437"/>
-                </a:lnTo>
-                <a:lnTo>
-                  <a:pt x="0" y="2114437"/>
-                </a:lnTo>
-                <a:lnTo>
-                  <a:pt x="0" y="341621"/>
-                </a:lnTo>
-                <a:lnTo>
-                  <a:pt x="5786954" y="341621"/>
+                  <a:pt x="2324559" y="0"/>
                 </a:lnTo>
                 <a:close/>
               </a:path>
             </a:pathLst>
           </a:custGeom>
           <a:solidFill>
-            <a:srgbClr val="00A06E"/>
+            <a:schemeClr val="bg1">
+              <a:lumMod val="75000"/>
+            </a:schemeClr>
           </a:solidFill>
           <a:ln>
             <a:noFill/>
@@ -14536,15 +14540,259 @@
           <a:bodyPr rtlCol="0" anchor="ctr"/>
           <a:lstStyle/>
           <a:p>
-            <a:pPr algn="ctr"/>
-            <a:endParaRPr lang="en-IN" sz="1351" dirty="0"/>
+            <a:pPr marL="0" marR="0" lvl="0" indent="0" algn="ctr" defTabSz="914126" rtl="0" eaLnBrk="1" fontAlgn="auto" latinLnBrk="0" hangingPunct="1">
+              <a:lnSpc>
+                <a:spcPct val="100000"/>
+              </a:lnSpc>
+              <a:spcBef>
+                <a:spcPts val="0"/>
+              </a:spcBef>
+              <a:spcAft>
+                <a:spcPts val="0"/>
+              </a:spcAft>
+              <a:buClrTx/>
+              <a:buSzTx/>
+              <a:buFontTx/>
+              <a:buNone/>
+              <a:tabLst/>
+              <a:defRPr/>
+            </a:pPr>
+            <a:endParaRPr kumimoji="0" lang="en-US" sz="1799" b="0" i="0" u="none" strike="noStrike" kern="1200" cap="none" spc="0" normalizeH="0" baseline="0" noProof="0">
+              <a:ln>
+                <a:noFill/>
+              </a:ln>
+              <a:solidFill>
+                <a:prstClr val="white"/>
+              </a:solidFill>
+              <a:effectLst/>
+              <a:uLnTx/>
+              <a:uFillTx/>
+              <a:latin typeface="Calibri"/>
+              <a:ea typeface="+mn-ea"/>
+              <a:cs typeface="+mn-cs"/>
+            </a:endParaRPr>
+          </a:p>
+        </p:txBody>
+      </p:sp>
+      <p:grpSp>
+        <p:nvGrpSpPr>
+          <p:cNvPr id="2" name="Group 1"/>
+          <p:cNvGrpSpPr/>
+          <p:nvPr/>
+        </p:nvGrpSpPr>
+        <p:grpSpPr>
+          <a:xfrm>
+            <a:off x="583738" y="2057757"/>
+            <a:ext cx="2742486" cy="2742486"/>
+            <a:chOff x="583738" y="2057757"/>
+            <a:chExt cx="2742486" cy="2742486"/>
+          </a:xfrm>
+        </p:grpSpPr>
+        <p:sp>
+          <p:nvSpPr>
+            <p:cNvPr id="9" name="Oval 8"/>
+            <p:cNvSpPr/>
+            <p:nvPr/>
+          </p:nvSpPr>
+          <p:spPr>
+            <a:xfrm>
+              <a:off x="583738" y="2057757"/>
+              <a:ext cx="2742486" cy="2742486"/>
+            </a:xfrm>
+            <a:prstGeom prst="ellipse">
+              <a:avLst/>
+            </a:prstGeom>
+            <a:noFill/>
+            <a:ln>
+              <a:solidFill>
+                <a:schemeClr val="accent2"/>
+              </a:solidFill>
+            </a:ln>
+          </p:spPr>
+          <p:style>
+            <a:lnRef idx="2">
+              <a:schemeClr val="accent1">
+                <a:shade val="50000"/>
+              </a:schemeClr>
+            </a:lnRef>
+            <a:fillRef idx="1">
+              <a:schemeClr val="accent1"/>
+            </a:fillRef>
+            <a:effectRef idx="0">
+              <a:schemeClr val="accent1"/>
+            </a:effectRef>
+            <a:fontRef idx="minor">
+              <a:schemeClr val="lt1"/>
+            </a:fontRef>
+          </p:style>
+          <p:txBody>
+            <a:bodyPr rtlCol="0" anchor="ctr"/>
+            <a:lstStyle/>
+            <a:p>
+              <a:pPr marL="0" marR="0" lvl="0" indent="0" algn="ctr" defTabSz="914126" rtl="0" eaLnBrk="1" fontAlgn="auto" latinLnBrk="0" hangingPunct="1">
+                <a:lnSpc>
+                  <a:spcPct val="100000"/>
+                </a:lnSpc>
+                <a:spcBef>
+                  <a:spcPts val="0"/>
+                </a:spcBef>
+                <a:spcAft>
+                  <a:spcPts val="0"/>
+                </a:spcAft>
+                <a:buClrTx/>
+                <a:buSzTx/>
+                <a:buFontTx/>
+                <a:buNone/>
+                <a:tabLst/>
+                <a:defRPr/>
+              </a:pPr>
+              <a:endParaRPr kumimoji="0" lang="en-US" sz="1799" b="0" i="0" u="none" strike="noStrike" kern="1200" cap="none" spc="0" normalizeH="0" baseline="0" noProof="0">
+                <a:ln>
+                  <a:noFill/>
+                </a:ln>
+                <a:solidFill>
+                  <a:prstClr val="white"/>
+                </a:solidFill>
+                <a:effectLst/>
+                <a:uLnTx/>
+                <a:uFillTx/>
+                <a:latin typeface="Calibri"/>
+                <a:ea typeface="+mn-ea"/>
+                <a:cs typeface="+mn-cs"/>
+              </a:endParaRPr>
+            </a:p>
+          </p:txBody>
+        </p:sp>
+        <p:sp>
+          <p:nvSpPr>
+            <p:cNvPr id="12" name="TextBox 11"/>
+            <p:cNvSpPr txBox="1"/>
+            <p:nvPr/>
+          </p:nvSpPr>
+          <p:spPr>
+            <a:xfrm>
+              <a:off x="702929" y="2744505"/>
+              <a:ext cx="2213818" cy="1862048"/>
+            </a:xfrm>
+            <a:prstGeom prst="rect">
+              <a:avLst/>
+            </a:prstGeom>
+            <a:noFill/>
+          </p:spPr>
+          <p:txBody>
+            <a:bodyPr wrap="square" rtlCol="0" anchor="ctr">
+              <a:spAutoFit/>
+            </a:bodyPr>
+            <a:lstStyle/>
+            <a:p>
+              <a:pPr marL="0" marR="0" lvl="0" indent="0" algn="ctr" defTabSz="914126" rtl="0" eaLnBrk="1" fontAlgn="auto" latinLnBrk="0" hangingPunct="1">
+                <a:lnSpc>
+                  <a:spcPct val="100000"/>
+                </a:lnSpc>
+                <a:spcBef>
+                  <a:spcPts val="0"/>
+                </a:spcBef>
+                <a:spcAft>
+                  <a:spcPts val="0"/>
+                </a:spcAft>
+                <a:buClrTx/>
+                <a:buSzTx/>
+                <a:buFontTx/>
+                <a:buNone/>
+                <a:tabLst/>
+                <a:defRPr/>
+              </a:pPr>
+              <a:r>
+                <a:rPr kumimoji="0" lang="fa-IR" sz="11500" b="1" i="0" u="none" strike="noStrike" kern="1200" cap="none" spc="-300" normalizeH="0" baseline="0" noProof="0" dirty="0">
+                  <a:ln>
+                    <a:noFill/>
+                  </a:ln>
+                  <a:solidFill>
+                    <a:srgbClr val="159192"/>
+                  </a:solidFill>
+                  <a:effectLst/>
+                  <a:uLnTx/>
+                  <a:uFillTx/>
+                  <a:latin typeface="IRANSansWeb" panose="02040503050201020203" pitchFamily="18" charset="-78"/>
+                  <a:ea typeface="+mn-ea"/>
+                  <a:cs typeface="IRANSansWeb" panose="02040503050201020203" pitchFamily="18" charset="-78"/>
+                </a:rPr>
+                <a:t>2</a:t>
+              </a:r>
+              <a:endParaRPr kumimoji="0" lang="en-US" sz="11500" b="1" i="0" u="none" strike="noStrike" kern="1200" cap="none" spc="-300" normalizeH="0" baseline="0" noProof="0" dirty="0">
+                <a:ln>
+                  <a:noFill/>
+                </a:ln>
+                <a:solidFill>
+                  <a:srgbClr val="159192"/>
+                </a:solidFill>
+                <a:effectLst/>
+                <a:uLnTx/>
+                <a:uFillTx/>
+                <a:latin typeface="IRANSansWeb" panose="02040503050201020203" pitchFamily="18" charset="-78"/>
+                <a:ea typeface="+mn-ea"/>
+                <a:cs typeface="IRANSansWeb" panose="02040503050201020203" pitchFamily="18" charset="-78"/>
+              </a:endParaRPr>
+            </a:p>
+          </p:txBody>
+        </p:sp>
+      </p:grpSp>
+      <p:sp>
+        <p:nvSpPr>
+          <p:cNvPr id="10" name="TextBox 9">
+            <a:extLst>
+              <a:ext uri="{FF2B5EF4-FFF2-40B4-BE49-F238E27FC236}">
+                <a16:creationId xmlns:a16="http://schemas.microsoft.com/office/drawing/2014/main" id="{857E8829-B2A5-4352-834C-A0C752F1F362}"/>
+              </a:ext>
+            </a:extLst>
+          </p:cNvPr>
+          <p:cNvSpPr txBox="1"/>
+          <p:nvPr/>
+        </p:nvSpPr>
+        <p:spPr>
+          <a:xfrm>
+            <a:off x="3664353" y="3799812"/>
+            <a:ext cx="8011928" cy="901593"/>
+          </a:xfrm>
+          <a:prstGeom prst="rect">
+            <a:avLst/>
+          </a:prstGeom>
+          <a:noFill/>
+        </p:spPr>
+        <p:txBody>
+          <a:bodyPr wrap="square" rtlCol="0">
+            <a:spAutoFit/>
+          </a:bodyPr>
+          <a:lstStyle/>
+          <a:p>
+            <a:pPr marL="0" marR="0" lvl="0" indent="0" algn="ctr" defTabSz="914400" rtl="0" eaLnBrk="1" fontAlgn="auto" latinLnBrk="0" hangingPunct="1">
+              <a:lnSpc>
+                <a:spcPct val="150000"/>
+              </a:lnSpc>
+              <a:spcBef>
+                <a:spcPts val="0"/>
+              </a:spcBef>
+              <a:spcAft>
+                <a:spcPts val="0"/>
+              </a:spcAft>
+              <a:buClrTx/>
+              <a:buSzTx/>
+              <a:buFontTx/>
+              <a:buNone/>
+              <a:tabLst/>
+              <a:defRPr/>
+            </a:pPr>
+            <a:r>
+              <a:rPr lang="en-US" sz="4000" dirty="0"/>
+              <a:t>between £5 and £10 an hour</a:t>
+            </a:r>
           </a:p>
         </p:txBody>
       </p:sp>
     </p:spTree>
     <p:extLst>
       <p:ext uri="{BB962C8B-B14F-4D97-AF65-F5344CB8AC3E}">
-        <p14:creationId xmlns:p14="http://schemas.microsoft.com/office/powerpoint/2010/main" val="262348376"/>
+        <p14:creationId xmlns:p14="http://schemas.microsoft.com/office/powerpoint/2010/main" val="649498263"/>
       </p:ext>
     </p:extLst>
   </p:cSld>
@@ -14553,13 +14801,13 @@
   </p:clrMapOvr>
   <mc:AlternateContent xmlns:mc="http://schemas.openxmlformats.org/markup-compatibility/2006" xmlns:p14="http://schemas.microsoft.com/office/powerpoint/2010/main">
     <mc:Choice Requires="p14">
-      <p:transition spd="slow" p14:dur="1500">
-        <p:split orient="vert"/>
+      <p:transition spd="med" p14:dur="700">
+        <p:fade/>
       </p:transition>
     </mc:Choice>
     <mc:Fallback xmlns="">
-      <p:transition spd="slow">
-        <p:split orient="vert"/>
+      <p:transition spd="med">
+        <p:fade/>
       </p:transition>
     </mc:Fallback>
   </mc:AlternateContent>
@@ -33146,6 +33394,724 @@
   <p:clrMapOvr>
     <a:masterClrMapping/>
   </p:clrMapOvr>
+</p:sld>
+</file>
+
+<file path=ppt/slides/slide20.xml><?xml version="1.0" encoding="utf-8"?>
+<p:sld xmlns:a="http://schemas.openxmlformats.org/drawingml/2006/main" xmlns:r="http://schemas.openxmlformats.org/officeDocument/2006/relationships" xmlns:p="http://schemas.openxmlformats.org/presentationml/2006/main">
+  <p:cSld>
+    <p:spTree>
+      <p:nvGrpSpPr>
+        <p:cNvPr id="1" name=""/>
+        <p:cNvGrpSpPr/>
+        <p:nvPr/>
+      </p:nvGrpSpPr>
+      <p:grpSpPr>
+        <a:xfrm>
+          <a:off x="0" y="0"/>
+          <a:ext cx="0" cy="0"/>
+          <a:chOff x="0" y="0"/>
+          <a:chExt cx="0" cy="0"/>
+        </a:xfrm>
+      </p:grpSpPr>
+      <p:sp>
+        <p:nvSpPr>
+          <p:cNvPr id="8" name="TextBox 7"/>
+          <p:cNvSpPr txBox="1"/>
+          <p:nvPr/>
+        </p:nvSpPr>
+        <p:spPr>
+          <a:xfrm>
+            <a:off x="3596334" y="2286367"/>
+            <a:ext cx="8011928" cy="916276"/>
+          </a:xfrm>
+          <a:prstGeom prst="rect">
+            <a:avLst/>
+          </a:prstGeom>
+          <a:noFill/>
+        </p:spPr>
+        <p:txBody>
+          <a:bodyPr wrap="square" rtlCol="0">
+            <a:spAutoFit/>
+          </a:bodyPr>
+          <a:lstStyle/>
+          <a:p>
+            <a:pPr marL="0" marR="0" lvl="0" indent="0" algn="ctr" defTabSz="914400" rtl="0" eaLnBrk="1" fontAlgn="auto" latinLnBrk="0" hangingPunct="1">
+              <a:lnSpc>
+                <a:spcPct val="150000"/>
+              </a:lnSpc>
+              <a:spcBef>
+                <a:spcPts val="0"/>
+              </a:spcBef>
+              <a:spcAft>
+                <a:spcPts val="0"/>
+              </a:spcAft>
+              <a:buClrTx/>
+              <a:buSzTx/>
+              <a:buFontTx/>
+              <a:buNone/>
+              <a:tabLst/>
+              <a:defRPr/>
+            </a:pPr>
+            <a:endParaRPr kumimoji="0" lang="en-US" sz="4000" b="1" i="0" u="none" strike="noStrike" kern="1200" cap="none" spc="0" normalizeH="0" baseline="0" noProof="0" dirty="0">
+              <a:ln>
+                <a:noFill/>
+              </a:ln>
+              <a:solidFill>
+                <a:srgbClr val="73166F"/>
+              </a:solidFill>
+              <a:effectLst/>
+              <a:uLnTx/>
+              <a:uFillTx/>
+              <a:latin typeface="IRANSansWeb" panose="02040503050201020203" pitchFamily="18" charset="-78"/>
+              <a:ea typeface="+mn-ea"/>
+              <a:cs typeface="IRANSansWeb" panose="02040503050201020203" pitchFamily="18" charset="-78"/>
+            </a:endParaRPr>
+          </a:p>
+        </p:txBody>
+      </p:sp>
+      <p:sp>
+        <p:nvSpPr>
+          <p:cNvPr id="11" name="Freeform 10"/>
+          <p:cNvSpPr/>
+          <p:nvPr/>
+        </p:nvSpPr>
+        <p:spPr>
+          <a:xfrm flipV="1">
+            <a:off x="245609" y="4250609"/>
+            <a:ext cx="3409390" cy="3601578"/>
+          </a:xfrm>
+          <a:custGeom>
+            <a:avLst/>
+            <a:gdLst>
+              <a:gd name="connsiteX0" fmla="*/ 0 w 4649118"/>
+              <a:gd name="connsiteY0" fmla="*/ 3602516 h 3602516"/>
+              <a:gd name="connsiteX1" fmla="*/ 2324559 w 4649118"/>
+              <a:gd name="connsiteY1" fmla="*/ 2702688 h 3602516"/>
+              <a:gd name="connsiteX2" fmla="*/ 4649118 w 4649118"/>
+              <a:gd name="connsiteY2" fmla="*/ 3602516 h 3602516"/>
+              <a:gd name="connsiteX3" fmla="*/ 2324559 w 4649118"/>
+              <a:gd name="connsiteY3" fmla="*/ 0 h 3602516"/>
+            </a:gdLst>
+            <a:ahLst/>
+            <a:cxnLst>
+              <a:cxn ang="0">
+                <a:pos x="connsiteX0" y="connsiteY0"/>
+              </a:cxn>
+              <a:cxn ang="0">
+                <a:pos x="connsiteX1" y="connsiteY1"/>
+              </a:cxn>
+              <a:cxn ang="0">
+                <a:pos x="connsiteX2" y="connsiteY2"/>
+              </a:cxn>
+              <a:cxn ang="0">
+                <a:pos x="connsiteX3" y="connsiteY3"/>
+              </a:cxn>
+            </a:cxnLst>
+            <a:rect l="l" t="t" r="r" b="b"/>
+            <a:pathLst>
+              <a:path w="4649118" h="3602516">
+                <a:moveTo>
+                  <a:pt x="0" y="3602516"/>
+                </a:moveTo>
+                <a:lnTo>
+                  <a:pt x="2324559" y="2702688"/>
+                </a:lnTo>
+                <a:lnTo>
+                  <a:pt x="4649118" y="3602516"/>
+                </a:lnTo>
+                <a:lnTo>
+                  <a:pt x="2324559" y="0"/>
+                </a:lnTo>
+                <a:close/>
+              </a:path>
+            </a:pathLst>
+          </a:custGeom>
+          <a:solidFill>
+            <a:schemeClr val="bg1">
+              <a:lumMod val="75000"/>
+            </a:schemeClr>
+          </a:solidFill>
+          <a:ln>
+            <a:noFill/>
+          </a:ln>
+        </p:spPr>
+        <p:style>
+          <a:lnRef idx="2">
+            <a:schemeClr val="accent1">
+              <a:shade val="50000"/>
+            </a:schemeClr>
+          </a:lnRef>
+          <a:fillRef idx="1">
+            <a:schemeClr val="accent1"/>
+          </a:fillRef>
+          <a:effectRef idx="0">
+            <a:schemeClr val="accent1"/>
+          </a:effectRef>
+          <a:fontRef idx="minor">
+            <a:schemeClr val="lt1"/>
+          </a:fontRef>
+        </p:style>
+        <p:txBody>
+          <a:bodyPr rtlCol="0" anchor="ctr"/>
+          <a:lstStyle/>
+          <a:p>
+            <a:pPr marL="0" marR="0" lvl="0" indent="0" algn="ctr" defTabSz="914126" rtl="0" eaLnBrk="1" fontAlgn="auto" latinLnBrk="0" hangingPunct="1">
+              <a:lnSpc>
+                <a:spcPct val="100000"/>
+              </a:lnSpc>
+              <a:spcBef>
+                <a:spcPts val="0"/>
+              </a:spcBef>
+              <a:spcAft>
+                <a:spcPts val="0"/>
+              </a:spcAft>
+              <a:buClrTx/>
+              <a:buSzTx/>
+              <a:buFontTx/>
+              <a:buNone/>
+              <a:tabLst/>
+              <a:defRPr/>
+            </a:pPr>
+            <a:endParaRPr kumimoji="0" lang="en-US" sz="1799" b="0" i="0" u="none" strike="noStrike" kern="1200" cap="none" spc="0" normalizeH="0" baseline="0" noProof="0">
+              <a:ln>
+                <a:noFill/>
+              </a:ln>
+              <a:solidFill>
+                <a:prstClr val="white"/>
+              </a:solidFill>
+              <a:effectLst/>
+              <a:uLnTx/>
+              <a:uFillTx/>
+              <a:latin typeface="Calibri"/>
+              <a:ea typeface="+mn-ea"/>
+              <a:cs typeface="+mn-cs"/>
+            </a:endParaRPr>
+          </a:p>
+        </p:txBody>
+      </p:sp>
+      <p:grpSp>
+        <p:nvGrpSpPr>
+          <p:cNvPr id="2" name="Group 1"/>
+          <p:cNvGrpSpPr/>
+          <p:nvPr/>
+        </p:nvGrpSpPr>
+        <p:grpSpPr>
+          <a:xfrm>
+            <a:off x="583738" y="2057757"/>
+            <a:ext cx="2742486" cy="2742486"/>
+            <a:chOff x="583738" y="2057757"/>
+            <a:chExt cx="2742486" cy="2742486"/>
+          </a:xfrm>
+        </p:grpSpPr>
+        <p:sp>
+          <p:nvSpPr>
+            <p:cNvPr id="9" name="Oval 8"/>
+            <p:cNvSpPr/>
+            <p:nvPr/>
+          </p:nvSpPr>
+          <p:spPr>
+            <a:xfrm>
+              <a:off x="583738" y="2057757"/>
+              <a:ext cx="2742486" cy="2742486"/>
+            </a:xfrm>
+            <a:prstGeom prst="ellipse">
+              <a:avLst/>
+            </a:prstGeom>
+            <a:noFill/>
+            <a:ln>
+              <a:solidFill>
+                <a:schemeClr val="accent2"/>
+              </a:solidFill>
+            </a:ln>
+          </p:spPr>
+          <p:style>
+            <a:lnRef idx="2">
+              <a:schemeClr val="accent1">
+                <a:shade val="50000"/>
+              </a:schemeClr>
+            </a:lnRef>
+            <a:fillRef idx="1">
+              <a:schemeClr val="accent1"/>
+            </a:fillRef>
+            <a:effectRef idx="0">
+              <a:schemeClr val="accent1"/>
+            </a:effectRef>
+            <a:fontRef idx="minor">
+              <a:schemeClr val="lt1"/>
+            </a:fontRef>
+          </p:style>
+          <p:txBody>
+            <a:bodyPr rtlCol="0" anchor="ctr"/>
+            <a:lstStyle/>
+            <a:p>
+              <a:pPr marL="0" marR="0" lvl="0" indent="0" algn="ctr" defTabSz="914126" rtl="0" eaLnBrk="1" fontAlgn="auto" latinLnBrk="0" hangingPunct="1">
+                <a:lnSpc>
+                  <a:spcPct val="100000"/>
+                </a:lnSpc>
+                <a:spcBef>
+                  <a:spcPts val="0"/>
+                </a:spcBef>
+                <a:spcAft>
+                  <a:spcPts val="0"/>
+                </a:spcAft>
+                <a:buClrTx/>
+                <a:buSzTx/>
+                <a:buFontTx/>
+                <a:buNone/>
+                <a:tabLst/>
+                <a:defRPr/>
+              </a:pPr>
+              <a:endParaRPr kumimoji="0" lang="en-US" sz="1799" b="0" i="0" u="none" strike="noStrike" kern="1200" cap="none" spc="0" normalizeH="0" baseline="0" noProof="0">
+                <a:ln>
+                  <a:noFill/>
+                </a:ln>
+                <a:solidFill>
+                  <a:prstClr val="white"/>
+                </a:solidFill>
+                <a:effectLst/>
+                <a:uLnTx/>
+                <a:uFillTx/>
+                <a:latin typeface="Calibri"/>
+                <a:ea typeface="+mn-ea"/>
+                <a:cs typeface="+mn-cs"/>
+              </a:endParaRPr>
+            </a:p>
+          </p:txBody>
+        </p:sp>
+        <p:sp>
+          <p:nvSpPr>
+            <p:cNvPr id="12" name="TextBox 11"/>
+            <p:cNvSpPr txBox="1"/>
+            <p:nvPr/>
+          </p:nvSpPr>
+          <p:spPr>
+            <a:xfrm>
+              <a:off x="702929" y="2744505"/>
+              <a:ext cx="2213818" cy="1862048"/>
+            </a:xfrm>
+            <a:prstGeom prst="rect">
+              <a:avLst/>
+            </a:prstGeom>
+            <a:noFill/>
+          </p:spPr>
+          <p:txBody>
+            <a:bodyPr wrap="square" rtlCol="0" anchor="ctr">
+              <a:spAutoFit/>
+            </a:bodyPr>
+            <a:lstStyle/>
+            <a:p>
+              <a:pPr marL="0" marR="0" lvl="0" indent="0" algn="ctr" defTabSz="914126" rtl="0" eaLnBrk="1" fontAlgn="auto" latinLnBrk="0" hangingPunct="1">
+                <a:lnSpc>
+                  <a:spcPct val="100000"/>
+                </a:lnSpc>
+                <a:spcBef>
+                  <a:spcPts val="0"/>
+                </a:spcBef>
+                <a:spcAft>
+                  <a:spcPts val="0"/>
+                </a:spcAft>
+                <a:buClrTx/>
+                <a:buSzTx/>
+                <a:buFontTx/>
+                <a:buNone/>
+                <a:tabLst/>
+                <a:defRPr/>
+              </a:pPr>
+              <a:r>
+                <a:rPr kumimoji="0" lang="en-US" sz="11500" b="1" i="0" u="none" strike="noStrike" kern="1200" cap="none" spc="-300" normalizeH="0" baseline="0" noProof="0" dirty="0">
+                  <a:ln>
+                    <a:noFill/>
+                  </a:ln>
+                  <a:solidFill>
+                    <a:srgbClr val="159192"/>
+                  </a:solidFill>
+                  <a:effectLst/>
+                  <a:uLnTx/>
+                  <a:uFillTx/>
+                  <a:latin typeface="IRANSansWeb" panose="02040503050201020203" pitchFamily="18" charset="-78"/>
+                  <a:ea typeface="+mn-ea"/>
+                  <a:cs typeface="IRANSansWeb" panose="02040503050201020203" pitchFamily="18" charset="-78"/>
+                </a:rPr>
+                <a:t>3</a:t>
+              </a:r>
+            </a:p>
+          </p:txBody>
+        </p:sp>
+      </p:grpSp>
+      <p:sp>
+        <p:nvSpPr>
+          <p:cNvPr id="10" name="TextBox 9">
+            <a:extLst>
+              <a:ext uri="{FF2B5EF4-FFF2-40B4-BE49-F238E27FC236}">
+                <a16:creationId xmlns:a16="http://schemas.microsoft.com/office/drawing/2014/main" id="{857E8829-B2A5-4352-834C-A0C752F1F362}"/>
+              </a:ext>
+            </a:extLst>
+          </p:cNvPr>
+          <p:cNvSpPr txBox="1"/>
+          <p:nvPr/>
+        </p:nvSpPr>
+        <p:spPr>
+          <a:xfrm>
+            <a:off x="3934463" y="3227678"/>
+            <a:ext cx="8011928" cy="2482667"/>
+          </a:xfrm>
+          <a:prstGeom prst="rect">
+            <a:avLst/>
+          </a:prstGeom>
+          <a:noFill/>
+        </p:spPr>
+        <p:txBody>
+          <a:bodyPr wrap="square" rtlCol="0">
+            <a:spAutoFit/>
+          </a:bodyPr>
+          <a:lstStyle/>
+          <a:p>
+            <a:pPr marL="0" marR="0" lvl="0" indent="0" algn="ctr" defTabSz="914400" rtl="0" eaLnBrk="1" fontAlgn="auto" latinLnBrk="0" hangingPunct="1">
+              <a:lnSpc>
+                <a:spcPct val="150000"/>
+              </a:lnSpc>
+              <a:spcBef>
+                <a:spcPts val="0"/>
+              </a:spcBef>
+              <a:spcAft>
+                <a:spcPts val="0"/>
+              </a:spcAft>
+              <a:buClrTx/>
+              <a:buSzTx/>
+              <a:buFontTx/>
+              <a:buNone/>
+              <a:tabLst/>
+              <a:defRPr/>
+            </a:pPr>
+            <a:r>
+              <a:rPr lang="en-US" sz="3600" dirty="0"/>
+              <a:t>15 hours per week</a:t>
+            </a:r>
+            <a:endParaRPr lang="fa-IR" sz="3600" dirty="0"/>
+          </a:p>
+          <a:p>
+            <a:pPr marL="0" marR="0" lvl="0" indent="0" algn="ctr" defTabSz="914400" rtl="0" eaLnBrk="1" fontAlgn="auto" latinLnBrk="0" hangingPunct="1">
+              <a:lnSpc>
+                <a:spcPct val="150000"/>
+              </a:lnSpc>
+              <a:spcBef>
+                <a:spcPts val="0"/>
+              </a:spcBef>
+              <a:spcAft>
+                <a:spcPts val="0"/>
+              </a:spcAft>
+              <a:buClrTx/>
+              <a:buSzTx/>
+              <a:buFontTx/>
+              <a:buNone/>
+              <a:tabLst/>
+              <a:defRPr/>
+            </a:pPr>
+            <a:endParaRPr lang="fa-IR" sz="3600" dirty="0"/>
+          </a:p>
+          <a:p>
+            <a:pPr marL="0" marR="0" lvl="0" indent="0" algn="ctr" defTabSz="914400" rtl="0" eaLnBrk="1" fontAlgn="auto" latinLnBrk="0" hangingPunct="1">
+              <a:lnSpc>
+                <a:spcPct val="150000"/>
+              </a:lnSpc>
+              <a:spcBef>
+                <a:spcPts val="0"/>
+              </a:spcBef>
+              <a:spcAft>
+                <a:spcPts val="0"/>
+              </a:spcAft>
+              <a:buClrTx/>
+              <a:buSzTx/>
+              <a:buFontTx/>
+              <a:buNone/>
+              <a:tabLst/>
+              <a:defRPr/>
+            </a:pPr>
+            <a:r>
+              <a:rPr lang="en-US" sz="3600" dirty="0"/>
+              <a:t>2 to 3 hours a day</a:t>
+            </a:r>
+          </a:p>
+        </p:txBody>
+      </p:sp>
+      <p:sp>
+        <p:nvSpPr>
+          <p:cNvPr id="13" name="TextBox 12">
+            <a:extLst>
+              <a:ext uri="{FF2B5EF4-FFF2-40B4-BE49-F238E27FC236}">
+                <a16:creationId xmlns:a16="http://schemas.microsoft.com/office/drawing/2014/main" id="{3773CDB5-5E7D-49B9-BA3D-EAE538631C91}"/>
+              </a:ext>
+            </a:extLst>
+          </p:cNvPr>
+          <p:cNvSpPr txBox="1"/>
+          <p:nvPr/>
+        </p:nvSpPr>
+        <p:spPr>
+          <a:xfrm>
+            <a:off x="3590558" y="1411714"/>
+            <a:ext cx="8011928" cy="901593"/>
+          </a:xfrm>
+          <a:prstGeom prst="rect">
+            <a:avLst/>
+          </a:prstGeom>
+          <a:noFill/>
+        </p:spPr>
+        <p:txBody>
+          <a:bodyPr wrap="square" rtlCol="0">
+            <a:spAutoFit/>
+          </a:bodyPr>
+          <a:lstStyle/>
+          <a:p>
+            <a:pPr marL="0" marR="0" lvl="0" indent="0" algn="ctr" defTabSz="914400" rtl="0" eaLnBrk="1" fontAlgn="auto" latinLnBrk="0" hangingPunct="1">
+              <a:lnSpc>
+                <a:spcPct val="150000"/>
+              </a:lnSpc>
+              <a:spcBef>
+                <a:spcPts val="0"/>
+              </a:spcBef>
+              <a:spcAft>
+                <a:spcPts val="0"/>
+              </a:spcAft>
+              <a:buClrTx/>
+              <a:buSzTx/>
+              <a:buFontTx/>
+              <a:buNone/>
+              <a:tabLst/>
+              <a:defRPr/>
+            </a:pPr>
+            <a:r>
+              <a:rPr lang="en-US" sz="4000" b="1" dirty="0">
+                <a:solidFill>
+                  <a:srgbClr val="73166F"/>
+                </a:solidFill>
+                <a:latin typeface="IRANSansWeb" panose="02040503050201020203" pitchFamily="18" charset="-78"/>
+                <a:cs typeface="IRANSansWeb" panose="02040503050201020203" pitchFamily="18" charset="-78"/>
+              </a:rPr>
+              <a:t>Daily Time Availability</a:t>
+            </a:r>
+          </a:p>
+        </p:txBody>
+      </p:sp>
+    </p:spTree>
+    <p:extLst>
+      <p:ext uri="{BB962C8B-B14F-4D97-AF65-F5344CB8AC3E}">
+        <p14:creationId xmlns:p14="http://schemas.microsoft.com/office/powerpoint/2010/main" val="1622959142"/>
+      </p:ext>
+    </p:extLst>
+  </p:cSld>
+  <p:clrMapOvr>
+    <a:masterClrMapping/>
+  </p:clrMapOvr>
+  <mc:AlternateContent xmlns:mc="http://schemas.openxmlformats.org/markup-compatibility/2006">
+    <mc:Choice xmlns:p14="http://schemas.microsoft.com/office/powerpoint/2010/main" Requires="p14">
+      <p:transition spd="med" p14:dur="700">
+        <p:fade/>
+      </p:transition>
+    </mc:Choice>
+    <mc:Fallback>
+      <p:transition spd="med">
+        <p:fade/>
+      </p:transition>
+    </mc:Fallback>
+  </mc:AlternateContent>
+</p:sld>
+</file>
+
+<file path=ppt/slides/slide21.xml><?xml version="1.0" encoding="utf-8"?>
+<p:sld xmlns:a="http://schemas.openxmlformats.org/drawingml/2006/main" xmlns:r="http://schemas.openxmlformats.org/officeDocument/2006/relationships" xmlns:p="http://schemas.openxmlformats.org/presentationml/2006/main">
+  <p:cSld>
+    <p:spTree>
+      <p:nvGrpSpPr>
+        <p:cNvPr id="1" name=""/>
+        <p:cNvGrpSpPr/>
+        <p:nvPr/>
+      </p:nvGrpSpPr>
+      <p:grpSpPr>
+        <a:xfrm>
+          <a:off x="0" y="0"/>
+          <a:ext cx="0" cy="0"/>
+          <a:chOff x="0" y="0"/>
+          <a:chExt cx="0" cy="0"/>
+        </a:xfrm>
+      </p:grpSpPr>
+      <p:sp>
+        <p:nvSpPr>
+          <p:cNvPr id="2" name="Title 1"/>
+          <p:cNvSpPr>
+            <a:spLocks noGrp="1"/>
+          </p:cNvSpPr>
+          <p:nvPr>
+            <p:ph type="ctrTitle"/>
+          </p:nvPr>
+        </p:nvSpPr>
+        <p:spPr>
+          <a:xfrm>
+            <a:off x="1524000" y="1669774"/>
+            <a:ext cx="9144000" cy="2387600"/>
+          </a:xfrm>
+        </p:spPr>
+        <p:txBody>
+          <a:bodyPr>
+            <a:noAutofit/>
+          </a:bodyPr>
+          <a:lstStyle/>
+          <a:p>
+            <a:pPr algn="ctr"/>
+            <a:r>
+              <a:rPr lang="en-US" sz="9600" b="1" dirty="0">
+                <a:solidFill>
+                  <a:schemeClr val="bg2">
+                    <a:lumMod val="50000"/>
+                  </a:schemeClr>
+                </a:solidFill>
+              </a:rPr>
+              <a:t>The End</a:t>
+            </a:r>
+          </a:p>
+        </p:txBody>
+      </p:sp>
+      <p:sp>
+        <p:nvSpPr>
+          <p:cNvPr id="9" name="Freeform: Shape 8">
+            <a:extLst>
+              <a:ext uri="{FF2B5EF4-FFF2-40B4-BE49-F238E27FC236}">
+                <a16:creationId xmlns:a16="http://schemas.microsoft.com/office/drawing/2014/main" id="{04659B96-1CE7-401A-9D92-42B213361746}"/>
+              </a:ext>
+            </a:extLst>
+          </p:cNvPr>
+          <p:cNvSpPr/>
+          <p:nvPr/>
+        </p:nvSpPr>
+        <p:spPr>
+          <a:xfrm>
+            <a:off x="1589" y="4725144"/>
+            <a:ext cx="12188825" cy="2132856"/>
+          </a:xfrm>
+          <a:custGeom>
+            <a:avLst/>
+            <a:gdLst>
+              <a:gd name="connsiteX0" fmla="*/ 6094412 w 12188825"/>
+              <a:gd name="connsiteY0" fmla="*/ 0 h 2114437"/>
+              <a:gd name="connsiteX1" fmla="*/ 6401871 w 12188825"/>
+              <a:gd name="connsiteY1" fmla="*/ 341621 h 2114437"/>
+              <a:gd name="connsiteX2" fmla="*/ 12188825 w 12188825"/>
+              <a:gd name="connsiteY2" fmla="*/ 341621 h 2114437"/>
+              <a:gd name="connsiteX3" fmla="*/ 12188825 w 12188825"/>
+              <a:gd name="connsiteY3" fmla="*/ 2114437 h 2114437"/>
+              <a:gd name="connsiteX4" fmla="*/ 0 w 12188825"/>
+              <a:gd name="connsiteY4" fmla="*/ 2114437 h 2114437"/>
+              <a:gd name="connsiteX5" fmla="*/ 0 w 12188825"/>
+              <a:gd name="connsiteY5" fmla="*/ 341621 h 2114437"/>
+              <a:gd name="connsiteX6" fmla="*/ 5786954 w 12188825"/>
+              <a:gd name="connsiteY6" fmla="*/ 341621 h 2114437"/>
+            </a:gdLst>
+            <a:ahLst/>
+            <a:cxnLst>
+              <a:cxn ang="0">
+                <a:pos x="connsiteX0" y="connsiteY0"/>
+              </a:cxn>
+              <a:cxn ang="0">
+                <a:pos x="connsiteX1" y="connsiteY1"/>
+              </a:cxn>
+              <a:cxn ang="0">
+                <a:pos x="connsiteX2" y="connsiteY2"/>
+              </a:cxn>
+              <a:cxn ang="0">
+                <a:pos x="connsiteX3" y="connsiteY3"/>
+              </a:cxn>
+              <a:cxn ang="0">
+                <a:pos x="connsiteX4" y="connsiteY4"/>
+              </a:cxn>
+              <a:cxn ang="0">
+                <a:pos x="connsiteX5" y="connsiteY5"/>
+              </a:cxn>
+              <a:cxn ang="0">
+                <a:pos x="connsiteX6" y="connsiteY6"/>
+              </a:cxn>
+            </a:cxnLst>
+            <a:rect l="l" t="t" r="r" b="b"/>
+            <a:pathLst>
+              <a:path w="12188825" h="2114437">
+                <a:moveTo>
+                  <a:pt x="6094412" y="0"/>
+                </a:moveTo>
+                <a:lnTo>
+                  <a:pt x="6401871" y="341621"/>
+                </a:lnTo>
+                <a:lnTo>
+                  <a:pt x="12188825" y="341621"/>
+                </a:lnTo>
+                <a:lnTo>
+                  <a:pt x="12188825" y="2114437"/>
+                </a:lnTo>
+                <a:lnTo>
+                  <a:pt x="0" y="2114437"/>
+                </a:lnTo>
+                <a:lnTo>
+                  <a:pt x="0" y="341621"/>
+                </a:lnTo>
+                <a:lnTo>
+                  <a:pt x="5786954" y="341621"/>
+                </a:lnTo>
+                <a:close/>
+              </a:path>
+            </a:pathLst>
+          </a:custGeom>
+          <a:solidFill>
+            <a:srgbClr val="00A06E"/>
+          </a:solidFill>
+          <a:ln>
+            <a:noFill/>
+          </a:ln>
+        </p:spPr>
+        <p:style>
+          <a:lnRef idx="2">
+            <a:schemeClr val="accent1">
+              <a:shade val="50000"/>
+            </a:schemeClr>
+          </a:lnRef>
+          <a:fillRef idx="1">
+            <a:schemeClr val="accent1"/>
+          </a:fillRef>
+          <a:effectRef idx="0">
+            <a:schemeClr val="accent1"/>
+          </a:effectRef>
+          <a:fontRef idx="minor">
+            <a:schemeClr val="lt1"/>
+          </a:fontRef>
+        </p:style>
+        <p:txBody>
+          <a:bodyPr rtlCol="0" anchor="ctr"/>
+          <a:lstStyle/>
+          <a:p>
+            <a:pPr algn="ctr"/>
+            <a:endParaRPr lang="en-IN" sz="1351" dirty="0"/>
+          </a:p>
+        </p:txBody>
+      </p:sp>
+    </p:spTree>
+    <p:extLst>
+      <p:ext uri="{BB962C8B-B14F-4D97-AF65-F5344CB8AC3E}">
+        <p14:creationId xmlns:p14="http://schemas.microsoft.com/office/powerpoint/2010/main" val="262348376"/>
+      </p:ext>
+    </p:extLst>
+  </p:cSld>
+  <p:clrMapOvr>
+    <a:masterClrMapping/>
+  </p:clrMapOvr>
+  <mc:AlternateContent xmlns:mc="http://schemas.openxmlformats.org/markup-compatibility/2006" xmlns:p14="http://schemas.microsoft.com/office/powerpoint/2010/main">
+    <mc:Choice Requires="p14">
+      <p:transition spd="slow" p14:dur="1500">
+        <p:split orient="vert"/>
+      </p:transition>
+    </mc:Choice>
+    <mc:Fallback xmlns="">
+      <p:transition spd="slow">
+        <p:split orient="vert"/>
+      </p:transition>
+    </mc:Fallback>
+  </mc:AlternateContent>
 </p:sld>
 </file>
 
